--- a/presentation/Moiseyenko_presentation_new.pptx
+++ b/presentation/Moiseyenko_presentation_new.pptx
@@ -4606,6 +4606,9 @@
             </a:pPr>
             <a:r>
               <a:rPr lang="ru-RU" sz="2400" dirty="0" smtClean="0">
+                <a:solidFill>
+                  <a:schemeClr val="tx1"/>
+                </a:solidFill>
                 <a:latin typeface="Tahoma" charset="0"/>
                 <a:ea typeface="Tahoma" charset="0"/>
                 <a:cs typeface="Tahoma" charset="0"/>
@@ -4614,6 +4617,9 @@
             </a:r>
             <a:r>
               <a:rPr lang="en-US" sz="2400" dirty="0" smtClean="0">
+                <a:solidFill>
+                  <a:schemeClr val="tx1"/>
+                </a:solidFill>
                 <a:latin typeface="Tahoma" charset="0"/>
                 <a:ea typeface="Tahoma" charset="0"/>
                 <a:cs typeface="Tahoma" charset="0"/>
@@ -4622,6 +4628,9 @@
             </a:r>
             <a:r>
               <a:rPr lang="ru-RU" sz="2400" dirty="0" smtClean="0">
+                <a:solidFill>
+                  <a:schemeClr val="tx1"/>
+                </a:solidFill>
                 <a:latin typeface="Tahoma" charset="0"/>
                 <a:ea typeface="Tahoma" charset="0"/>
                 <a:cs typeface="Tahoma" charset="0"/>
@@ -4630,6 +4639,9 @@
             </a:r>
             <a:r>
               <a:rPr lang="ru-RU" sz="2400" dirty="0">
+                <a:solidFill>
+                  <a:schemeClr val="tx1"/>
+                </a:solidFill>
                 <a:latin typeface="Tahoma" charset="0"/>
                 <a:ea typeface="Tahoma" charset="0"/>
                 <a:cs typeface="Tahoma" charset="0"/>
@@ -4638,6 +4650,9 @@
             </a:r>
             <a:r>
               <a:rPr lang="ru-RU" sz="2400" dirty="0" smtClean="0">
+                <a:solidFill>
+                  <a:schemeClr val="tx1"/>
+                </a:solidFill>
                 <a:latin typeface="Tahoma" charset="0"/>
                 <a:ea typeface="Tahoma" charset="0"/>
                 <a:cs typeface="Tahoma" charset="0"/>
@@ -4655,6 +4670,9 @@
             </a:pPr>
             <a:r>
               <a:rPr lang="ru-RU" sz="2400" dirty="0" smtClean="0">
+                <a:solidFill>
+                  <a:schemeClr val="tx1"/>
+                </a:solidFill>
                 <a:latin typeface="Tahoma" charset="0"/>
                 <a:ea typeface="Tahoma" charset="0"/>
                 <a:cs typeface="Tahoma" charset="0"/>
@@ -4663,6 +4681,9 @@
             </a:r>
             <a:r>
               <a:rPr lang="en-US" sz="2400" dirty="0" smtClean="0">
+                <a:solidFill>
+                  <a:schemeClr val="tx1"/>
+                </a:solidFill>
                 <a:latin typeface="Tahoma" charset="0"/>
                 <a:ea typeface="Tahoma" charset="0"/>
                 <a:cs typeface="Tahoma" charset="0"/>
@@ -4671,6 +4692,9 @@
             </a:r>
             <a:r>
               <a:rPr lang="ru-RU" sz="2400" dirty="0" smtClean="0">
+                <a:solidFill>
+                  <a:schemeClr val="tx1"/>
+                </a:solidFill>
                 <a:latin typeface="Tahoma" charset="0"/>
                 <a:ea typeface="Tahoma" charset="0"/>
                 <a:cs typeface="Tahoma" charset="0"/>
@@ -4678,6 +4702,9 @@
               <a:t>диаграммы; </a:t>
             </a:r>
             <a:endParaRPr lang="ru-RU" sz="2400" dirty="0">
+              <a:solidFill>
+                <a:schemeClr val="tx1"/>
+              </a:solidFill>
               <a:latin typeface="Tahoma" charset="0"/>
               <a:ea typeface="Tahoma" charset="0"/>
               <a:cs typeface="Tahoma" charset="0"/>
@@ -4693,6 +4720,9 @@
             </a:pPr>
             <a:r>
               <a:rPr lang="ru-RU" sz="2400" dirty="0" smtClean="0">
+                <a:solidFill>
+                  <a:schemeClr val="tx1"/>
+                </a:solidFill>
                 <a:latin typeface="Tahoma" charset="0"/>
                 <a:ea typeface="Tahoma" charset="0"/>
                 <a:cs typeface="Tahoma" charset="0"/>
@@ -4701,6 +4731,9 @@
             </a:r>
             <a:r>
               <a:rPr lang="en-US" sz="2400" dirty="0" smtClean="0">
+                <a:solidFill>
+                  <a:schemeClr val="tx1"/>
+                </a:solidFill>
                 <a:latin typeface="Tahoma" charset="0"/>
                 <a:ea typeface="Tahoma" charset="0"/>
                 <a:cs typeface="Tahoma" charset="0"/>
@@ -4709,6 +4742,9 @@
             </a:r>
             <a:r>
               <a:rPr lang="ru-RU" sz="2400" dirty="0" smtClean="0">
+                <a:solidFill>
+                  <a:schemeClr val="tx1"/>
+                </a:solidFill>
                 <a:latin typeface="Tahoma" charset="0"/>
                 <a:ea typeface="Tahoma" charset="0"/>
                 <a:cs typeface="Tahoma" charset="0"/>
@@ -4716,6 +4752,9 @@
               <a:t>диаграммы.</a:t>
             </a:r>
             <a:endParaRPr lang="en-US" sz="2400" dirty="0">
+              <a:solidFill>
+                <a:schemeClr val="tx1"/>
+              </a:solidFill>
               <a:latin typeface="Tahoma" charset="0"/>
               <a:ea typeface="Tahoma" charset="0"/>
               <a:cs typeface="Tahoma" charset="0"/>
@@ -4963,18 +5002,31 @@
                 <a:ea typeface="Tahoma" charset="0"/>
                 <a:cs typeface="Tahoma" charset="0"/>
               </a:rPr>
-              <a:t>преобразования неструктурированных</a:t>
+              <a:t>преобразования </a:t>
+            </a:r>
+            <a:r>
+              <a:rPr lang="ru-RU" sz="2400" dirty="0">
+                <a:latin typeface="Tahoma" charset="0"/>
+                <a:ea typeface="Tahoma" charset="0"/>
+                <a:cs typeface="Tahoma" charset="0"/>
+              </a:rPr>
+              <a:t> текстов на естественном (английском) </a:t>
             </a:r>
             <a:r>
               <a:rPr lang="ru-RU" sz="2400" dirty="0" smtClean="0">
-                <a:solidFill>
-                  <a:srgbClr val="FF0000"/>
-                </a:solidFill>
-                <a:latin typeface="Tahoma" charset="0"/>
-                <a:ea typeface="Tahoma" charset="0"/>
-                <a:cs typeface="Tahoma" charset="0"/>
-              </a:rPr>
-              <a:t> </a:t>
+                <a:latin typeface="Tahoma" charset="0"/>
+                <a:ea typeface="Tahoma" charset="0"/>
+                <a:cs typeface="Tahoma" charset="0"/>
+              </a:rPr>
+              <a:t>языке </a:t>
+            </a:r>
+            <a:r>
+              <a:rPr lang="ru-RU" sz="2400" dirty="0" smtClean="0">
+                <a:latin typeface="Tahoma" charset="0"/>
+                <a:ea typeface="Tahoma" charset="0"/>
+                <a:cs typeface="Tahoma" charset="0"/>
+              </a:rPr>
+              <a:t>в </a:t>
             </a:r>
             <a:r>
               <a:rPr lang="ru-RU" sz="2400" dirty="0">
@@ -4982,7 +5034,7 @@
                 <a:ea typeface="Tahoma" charset="0"/>
                 <a:cs typeface="Tahoma" charset="0"/>
               </a:rPr>
-              <a:t>текстов в модель </a:t>
+              <a:t>модель </a:t>
             </a:r>
             <a:r>
               <a:rPr lang="ru-RU" sz="2400" dirty="0" smtClean="0">
@@ -6282,7 +6334,7 @@
       </p:sp>
       <p:pic>
         <p:nvPicPr>
-          <p:cNvPr id="4" name="Picture 3"/>
+          <p:cNvPr id="3" name="Picture 2"/>
           <p:cNvPicPr>
             <a:picLocks noChangeAspect="1"/>
           </p:cNvPicPr>
@@ -6302,8 +6354,8 @@
         </p:blipFill>
         <p:spPr>
           <a:xfrm>
-            <a:off x="540327" y="1504197"/>
-            <a:ext cx="7834638" cy="3400312"/>
+            <a:off x="445439" y="1409700"/>
+            <a:ext cx="7936554" cy="3494809"/>
           </a:xfrm>
           <a:prstGeom prst="rect">
             <a:avLst/>
